--- a/Lesson2_More_Practice/C语言从零开始_第二讲_更多的练习.pptx
+++ b/Lesson2_More_Practice/C语言从零开始_第二讲_更多的练习.pptx
@@ -251,7 +251,7 @@
           <a:p>
             <a:fld id="{E057C6AF-D7C3-4C00-981B-A40E9FB3BD37}" type="datetimeFigureOut">
               <a:rPr lang="zh-CN" altLang="en-US" smtClean="0"/>
-              <a:t>2017/1/16</a:t>
+              <a:t>2017/1/25</a:t>
             </a:fld>
             <a:endParaRPr lang="zh-CN" altLang="en-US"/>
           </a:p>
@@ -416,7 +416,7 @@
           <a:p>
             <a:fld id="{651D6549-FEAA-4A3A-BB73-0088AEB1C446}" type="datetimeFigureOut">
               <a:rPr lang="zh-CN" altLang="en-US" smtClean="0"/>
-              <a:t>2017/1/16</a:t>
+              <a:t>2017/1/25</a:t>
             </a:fld>
             <a:endParaRPr lang="zh-CN" altLang="en-US"/>
           </a:p>
@@ -904,7 +904,7 @@
             <a:fld id="{687CD20E-242F-44E0-9F1B-AB1D4F9EB94C}" type="datetime1">
               <a:rPr lang="zh-CN" altLang="en-US" smtClean="0"/>
               <a:pPr/>
-              <a:t>2017/1/16</a:t>
+              <a:t>2017/1/25</a:t>
             </a:fld>
             <a:endParaRPr lang="zh-CN" altLang="zh-CN" dirty="0"/>
           </a:p>
@@ -1094,7 +1094,7 @@
           <a:p>
             <a:fld id="{2FC3D58D-73A9-4A92-BE79-3C1E5AFE7A60}" type="datetime1">
               <a:rPr lang="zh-CN" altLang="en-US" smtClean="0"/>
-              <a:t>2017/1/16</a:t>
+              <a:t>2017/1/25</a:t>
             </a:fld>
             <a:endParaRPr lang="zh-CN" altLang="zh-CN"/>
           </a:p>
@@ -1294,7 +1294,7 @@
           <a:p>
             <a:fld id="{B32FF8DD-19DE-4EBD-8607-C46E70DAFF98}" type="datetime1">
               <a:rPr lang="zh-CN" altLang="en-US" smtClean="0"/>
-              <a:t>2017/1/16</a:t>
+              <a:t>2017/1/25</a:t>
             </a:fld>
             <a:endParaRPr lang="zh-CN" altLang="zh-CN"/>
           </a:p>
@@ -1500,7 +1500,7 @@
           <a:p>
             <a:fld id="{B13507F3-2E52-4A0E-B513-AE67BAF97B42}" type="datetime1">
               <a:rPr lang="zh-CN" altLang="en-US" smtClean="0"/>
-              <a:t>2017/1/16</a:t>
+              <a:t>2017/1/25</a:t>
             </a:fld>
             <a:endParaRPr lang="zh-CN" altLang="zh-CN"/>
           </a:p>
@@ -1712,7 +1712,7 @@
           <a:p>
             <a:fld id="{59594878-6599-4272-9EFD-82A503AFE9EA}" type="datetime1">
               <a:rPr lang="zh-CN" altLang="en-US" smtClean="0"/>
-              <a:t>2017/1/16</a:t>
+              <a:t>2017/1/25</a:t>
             </a:fld>
             <a:endParaRPr lang="zh-CN" altLang="zh-CN"/>
           </a:p>
@@ -1964,7 +1964,7 @@
           <a:p>
             <a:fld id="{A221DC34-5309-4A88-B135-0820EE50E2C9}" type="datetime1">
               <a:rPr lang="zh-CN" altLang="en-US" smtClean="0"/>
-              <a:t>2017/1/16</a:t>
+              <a:t>2017/1/25</a:t>
             </a:fld>
             <a:endParaRPr lang="zh-CN" altLang="zh-CN"/>
           </a:p>
@@ -2351,7 +2351,7 @@
           <a:p>
             <a:fld id="{CFD09B60-8CEE-49E4-B9C7-EF649FFF4A9B}" type="datetime1">
               <a:rPr lang="zh-CN" altLang="en-US" smtClean="0"/>
-              <a:t>2017/1/16</a:t>
+              <a:t>2017/1/25</a:t>
             </a:fld>
             <a:endParaRPr lang="zh-CN" altLang="zh-CN"/>
           </a:p>
@@ -2489,7 +2489,7 @@
           <a:p>
             <a:fld id="{4AA8F851-E17E-496A-AC8E-D6B2F33A8FAC}" type="datetime1">
               <a:rPr lang="zh-CN" altLang="en-US" smtClean="0"/>
-              <a:t>2017/1/16</a:t>
+              <a:t>2017/1/25</a:t>
             </a:fld>
             <a:endParaRPr lang="zh-CN" altLang="zh-CN"/>
           </a:p>
@@ -2604,7 +2604,7 @@
           <a:p>
             <a:fld id="{135793C7-880A-4E11-8D62-422A761B21C9}" type="datetime1">
               <a:rPr lang="zh-CN" altLang="en-US" smtClean="0"/>
-              <a:t>2017/1/16</a:t>
+              <a:t>2017/1/25</a:t>
             </a:fld>
             <a:endParaRPr lang="zh-CN" altLang="zh-CN"/>
           </a:p>
@@ -2894,7 +2894,7 @@
           <a:p>
             <a:fld id="{9FCFBB9F-FD7F-46C4-A0E1-A0AD04A1BC6A}" type="datetime1">
               <a:rPr lang="zh-CN" altLang="en-US" smtClean="0"/>
-              <a:t>2017/1/16</a:t>
+              <a:t>2017/1/25</a:t>
             </a:fld>
             <a:endParaRPr lang="zh-CN" altLang="zh-CN"/>
           </a:p>
@@ -3171,7 +3171,7 @@
           <a:p>
             <a:fld id="{0373B480-0183-4F9B-8D4E-B01EE656294A}" type="datetime1">
               <a:rPr lang="zh-CN" altLang="en-US" smtClean="0"/>
-              <a:t>2017/1/16</a:t>
+              <a:t>2017/1/25</a:t>
             </a:fld>
             <a:endParaRPr lang="zh-CN" altLang="zh-CN"/>
           </a:p>
@@ -3387,7 +3387,7 @@
             <a:fld id="{63B09E56-5A87-43B7-8623-7CA0CB7872D0}" type="datetime1">
               <a:rPr lang="zh-CN" altLang="en-US" smtClean="0"/>
               <a:pPr/>
-              <a:t>2017/1/16</a:t>
+              <a:t>2017/1/25</a:t>
             </a:fld>
             <a:endParaRPr lang="zh-CN" altLang="zh-CN"/>
           </a:p>
@@ -4604,7 +4604,7 @@
           <a:p>
             <a:fld id="{E10D6361-B8F0-482A-95B7-D825F938BD73}" type="datetime1">
               <a:rPr lang="zh-CN" altLang="en-US" smtClean="0"/>
-              <a:t>2017/1/16</a:t>
+              <a:t>2017/1/25</a:t>
             </a:fld>
             <a:endParaRPr lang="zh-CN" altLang="zh-CN" dirty="0"/>
           </a:p>
@@ -4643,7 +4643,7 @@
         <p:spPr>
           <a:xfrm>
             <a:off x="191344" y="260648"/>
-            <a:ext cx="9361040" cy="1200329"/>
+            <a:ext cx="9361040" cy="1569660"/>
           </a:xfrm>
           <a:prstGeom prst="rect">
             <a:avLst/>
@@ -4656,39 +4656,39 @@
           <a:lstStyle/>
           <a:p>
             <a:r>
-              <a:rPr lang="zh-CN" altLang="en-US" sz="2400" dirty="0" smtClean="0">
+              <a:rPr lang="zh-CN" altLang="en-US" sz="2400" dirty="0">
                 <a:solidFill>
-                  <a:srgbClr val="FF0000"/>
+                  <a:srgbClr val="0070C0"/>
                 </a:solidFill>
                 <a:latin typeface="+mj-lt"/>
                 <a:ea typeface="+mj-ea"/>
               </a:rPr>
-              <a:t>   斗</a:t>
-            </a:r>
-            <a:r>
-              <a:rPr lang="zh-CN" altLang="en-US" sz="2400" dirty="0">
+              <a:t> </a:t>
+            </a:r>
+            <a:r>
+              <a:rPr lang="zh-CN" altLang="en-US" sz="2400" dirty="0" smtClean="0">
                 <a:solidFill>
-                  <a:srgbClr val="FF0000"/>
+                  <a:srgbClr val="0070C0"/>
                 </a:solidFill>
                 <a:latin typeface="+mj-lt"/>
                 <a:ea typeface="+mj-ea"/>
               </a:rPr>
-              <a:t>鱼直播</a:t>
-            </a:r>
-            <a:r>
-              <a:rPr lang="zh-CN" altLang="en-US" sz="2400" dirty="0" smtClean="0">
+              <a:t>  斗</a:t>
+            </a:r>
+            <a:r>
+              <a:rPr lang="zh-CN" altLang="en-US" sz="2400" dirty="0">
                 <a:solidFill>
-                  <a:srgbClr val="FF0000"/>
+                  <a:srgbClr val="0070C0"/>
                 </a:solidFill>
                 <a:latin typeface="+mj-lt"/>
                 <a:ea typeface="+mj-ea"/>
               </a:rPr>
-              <a:t>：</a:t>
-            </a:r>
-            <a:r>
-              <a:rPr lang="en-US" altLang="zh-CN" sz="2400" dirty="0" smtClean="0">
+              <a:t>鱼直播：</a:t>
+            </a:r>
+            <a:r>
+              <a:rPr lang="en-US" altLang="zh-CN" sz="2400" dirty="0">
                 <a:solidFill>
-                  <a:srgbClr val="FF0000"/>
+                  <a:srgbClr val="0070C0"/>
                 </a:solidFill>
                 <a:latin typeface="+mj-lt"/>
                 <a:ea typeface="+mj-ea"/>
@@ -4696,34 +4696,145 @@
               <a:t>	</a:t>
             </a:r>
             <a:r>
-              <a:rPr lang="zh-CN" altLang="en-US" sz="2400" dirty="0" smtClean="0">
+              <a:rPr lang="zh-CN" altLang="en-US" sz="2400" dirty="0">
                 <a:solidFill>
-                  <a:srgbClr val="FF0000"/>
+                  <a:srgbClr val="0070C0"/>
+                </a:solidFill>
+                <a:latin typeface="+mj-lt"/>
+                <a:ea typeface="+mj-ea"/>
+                <a:hlinkClick r:id="rId3"/>
+              </a:rPr>
+              <a:t>https://www.douyu.com/yunaoshi</a:t>
+            </a:r>
+            <a:endParaRPr lang="en-US" altLang="zh-CN" sz="2400" dirty="0">
+              <a:solidFill>
+                <a:srgbClr val="0070C0"/>
+              </a:solidFill>
+              <a:latin typeface="+mj-lt"/>
+              <a:ea typeface="+mj-ea"/>
+            </a:endParaRPr>
+          </a:p>
+          <a:p>
+            <a:r>
+              <a:rPr lang="zh-CN" altLang="en-US" sz="2400" dirty="0">
+                <a:solidFill>
+                  <a:srgbClr val="0070C0"/>
                 </a:solidFill>
                 <a:latin typeface="+mj-lt"/>
                 <a:ea typeface="+mj-ea"/>
               </a:rPr>
-              <a:t>https</a:t>
-            </a:r>
-            <a:r>
-              <a:rPr lang="zh-CN" altLang="en-US" sz="2400" dirty="0">
+              <a:t>   优酷视频：</a:t>
+            </a:r>
+            <a:r>
+              <a:rPr lang="en-US" altLang="zh-CN" sz="2400" dirty="0">
                 <a:solidFill>
-                  <a:srgbClr val="FF0000"/>
+                  <a:srgbClr val="0070C0"/>
                 </a:solidFill>
                 <a:latin typeface="+mj-lt"/>
                 <a:ea typeface="+mj-ea"/>
               </a:rPr>
-              <a:t>://www.douyu.com/</a:t>
-            </a:r>
-            <a:r>
-              <a:rPr lang="zh-CN" altLang="en-US" sz="2400" dirty="0" smtClean="0">
+              <a:t>	</a:t>
+            </a:r>
+            <a:r>
+              <a:rPr lang="zh-CN" altLang="en-US" sz="2400" dirty="0">
                 <a:solidFill>
-                  <a:srgbClr val="FF0000"/>
+                  <a:srgbClr val="0070C0"/>
+                </a:solidFill>
+                <a:latin typeface="+mj-lt"/>
+                <a:ea typeface="+mj-ea"/>
+                <a:hlinkClick r:id="rId4"/>
+              </a:rPr>
+              <a:t>http://i.youku.com/jasonyyf</a:t>
+            </a:r>
+            <a:endParaRPr lang="en-US" altLang="zh-CN" sz="2400" dirty="0">
+              <a:solidFill>
+                <a:srgbClr val="0070C0"/>
+              </a:solidFill>
+              <a:latin typeface="+mj-lt"/>
+              <a:ea typeface="+mj-ea"/>
+            </a:endParaRPr>
+          </a:p>
+          <a:p>
+            <a:r>
+              <a:rPr lang="en-US" altLang="zh-CN" sz="2400" dirty="0">
+                <a:solidFill>
+                  <a:srgbClr val="0070C0"/>
                 </a:solidFill>
                 <a:latin typeface="+mj-lt"/>
                 <a:ea typeface="+mj-ea"/>
               </a:rPr>
-              <a:t>yunaoshi</a:t>
+              <a:t>    B</a:t>
+            </a:r>
+            <a:r>
+              <a:rPr lang="zh-CN" altLang="en-US" sz="2400" dirty="0">
+                <a:solidFill>
+                  <a:srgbClr val="0070C0"/>
+                </a:solidFill>
+                <a:latin typeface="+mj-lt"/>
+                <a:ea typeface="+mj-ea"/>
+              </a:rPr>
+              <a:t>站视频：</a:t>
+            </a:r>
+            <a:r>
+              <a:rPr lang="en-US" altLang="zh-CN" sz="2400" dirty="0">
+                <a:solidFill>
+                  <a:srgbClr val="0070C0"/>
+                </a:solidFill>
+                <a:latin typeface="+mj-lt"/>
+                <a:ea typeface="+mj-ea"/>
+              </a:rPr>
+              <a:t>	</a:t>
+            </a:r>
+            <a:r>
+              <a:rPr lang="en-US" altLang="zh-CN" sz="2400" dirty="0">
+                <a:solidFill>
+                  <a:srgbClr val="0070C0"/>
+                </a:solidFill>
+                <a:latin typeface="+mj-lt"/>
+                <a:ea typeface="+mj-ea"/>
+                <a:hlinkClick r:id="rId5"/>
+              </a:rPr>
+              <a:t>http://space.bilibili.com/16199448</a:t>
+            </a:r>
+            <a:endParaRPr lang="en-US" altLang="zh-CN" sz="2400" dirty="0">
+              <a:solidFill>
+                <a:srgbClr val="0070C0"/>
+              </a:solidFill>
+              <a:latin typeface="+mj-lt"/>
+              <a:ea typeface="+mj-ea"/>
+            </a:endParaRPr>
+          </a:p>
+          <a:p>
+            <a:r>
+              <a:rPr lang="zh-CN" altLang="en-US" sz="2400" dirty="0">
+                <a:solidFill>
+                  <a:srgbClr val="0070C0"/>
+                </a:solidFill>
+                <a:latin typeface="+mj-lt"/>
+                <a:ea typeface="+mj-ea"/>
+              </a:rPr>
+              <a:t>代码和PPT：</a:t>
+            </a:r>
+            <a:r>
+              <a:rPr lang="en-US" altLang="zh-CN" sz="2400" dirty="0">
+                <a:solidFill>
+                  <a:srgbClr val="0070C0"/>
+                </a:solidFill>
+                <a:latin typeface="+mj-lt"/>
+                <a:ea typeface="+mj-ea"/>
+              </a:rPr>
+              <a:t>	</a:t>
+            </a:r>
+            <a:r>
+              <a:rPr lang="zh-CN" altLang="en-US" sz="2400" dirty="0">
+                <a:solidFill>
+                  <a:srgbClr val="0070C0"/>
+                </a:solidFill>
+                <a:latin typeface="+mj-lt"/>
+                <a:ea typeface="+mj-ea"/>
+                <a:hlinkClick r:id="rId6"/>
+              </a:rPr>
+              <a:t>https://github.com/YufengYU/C_Programming_Course</a:t>
             </a:r>
             <a:endParaRPr lang="zh-CN" altLang="en-US" sz="2400" dirty="0">
               <a:solidFill>
@@ -4732,137 +4843,6 @@
               <a:latin typeface="+mj-lt"/>
               <a:ea typeface="+mj-ea"/>
             </a:endParaRPr>
-          </a:p>
-          <a:p>
-            <a:r>
-              <a:rPr lang="zh-CN" altLang="en-US" sz="2400" dirty="0" smtClean="0">
-                <a:solidFill>
-                  <a:srgbClr val="FF0000"/>
-                </a:solidFill>
-                <a:latin typeface="+mj-lt"/>
-                <a:ea typeface="+mj-ea"/>
-              </a:rPr>
-              <a:t>   优</a:t>
-            </a:r>
-            <a:r>
-              <a:rPr lang="zh-CN" altLang="en-US" sz="2400" dirty="0">
-                <a:solidFill>
-                  <a:srgbClr val="FF0000"/>
-                </a:solidFill>
-                <a:latin typeface="+mj-lt"/>
-                <a:ea typeface="+mj-ea"/>
-              </a:rPr>
-              <a:t>酷视频</a:t>
-            </a:r>
-            <a:r>
-              <a:rPr lang="zh-CN" altLang="en-US" sz="2400" dirty="0" smtClean="0">
-                <a:solidFill>
-                  <a:srgbClr val="FF0000"/>
-                </a:solidFill>
-                <a:latin typeface="+mj-lt"/>
-                <a:ea typeface="+mj-ea"/>
-              </a:rPr>
-              <a:t>：</a:t>
-            </a:r>
-            <a:r>
-              <a:rPr lang="en-US" altLang="zh-CN" sz="2400" dirty="0" smtClean="0">
-                <a:solidFill>
-                  <a:srgbClr val="FF0000"/>
-                </a:solidFill>
-                <a:latin typeface="+mj-lt"/>
-                <a:ea typeface="+mj-ea"/>
-              </a:rPr>
-              <a:t>	</a:t>
-            </a:r>
-            <a:r>
-              <a:rPr lang="zh-CN" altLang="en-US" sz="2400" dirty="0" smtClean="0">
-                <a:solidFill>
-                  <a:srgbClr val="FF0000"/>
-                </a:solidFill>
-                <a:latin typeface="+mj-lt"/>
-                <a:ea typeface="+mj-ea"/>
-              </a:rPr>
-              <a:t>http</a:t>
-            </a:r>
-            <a:r>
-              <a:rPr lang="zh-CN" altLang="en-US" sz="2400" dirty="0">
-                <a:solidFill>
-                  <a:srgbClr val="FF0000"/>
-                </a:solidFill>
-                <a:latin typeface="+mj-lt"/>
-                <a:ea typeface="+mj-ea"/>
-              </a:rPr>
-              <a:t>://i.youku.com/</a:t>
-            </a:r>
-            <a:r>
-              <a:rPr lang="zh-CN" altLang="en-US" sz="2400" dirty="0" smtClean="0">
-                <a:solidFill>
-                  <a:srgbClr val="FF0000"/>
-                </a:solidFill>
-                <a:latin typeface="+mj-lt"/>
-                <a:ea typeface="+mj-ea"/>
-              </a:rPr>
-              <a:t>jasonyyf</a:t>
-            </a:r>
-            <a:endParaRPr lang="zh-CN" altLang="en-US" sz="2400" dirty="0">
-              <a:solidFill>
-                <a:srgbClr val="FF0000"/>
-              </a:solidFill>
-              <a:latin typeface="+mj-lt"/>
-              <a:ea typeface="+mj-ea"/>
-            </a:endParaRPr>
-          </a:p>
-          <a:p>
-            <a:r>
-              <a:rPr lang="zh-CN" altLang="en-US" sz="2400" dirty="0">
-                <a:solidFill>
-                  <a:srgbClr val="FF0000"/>
-                </a:solidFill>
-                <a:latin typeface="+mj-lt"/>
-                <a:ea typeface="+mj-ea"/>
-              </a:rPr>
-              <a:t>代码和</a:t>
-            </a:r>
-            <a:r>
-              <a:rPr lang="zh-CN" altLang="en-US" sz="2400" dirty="0" smtClean="0">
-                <a:solidFill>
-                  <a:srgbClr val="FF0000"/>
-                </a:solidFill>
-                <a:latin typeface="+mj-lt"/>
-                <a:ea typeface="+mj-ea"/>
-              </a:rPr>
-              <a:t>PPT：</a:t>
-            </a:r>
-            <a:r>
-              <a:rPr lang="en-US" altLang="zh-CN" sz="2400" dirty="0" smtClean="0">
-                <a:solidFill>
-                  <a:srgbClr val="FF0000"/>
-                </a:solidFill>
-                <a:latin typeface="+mj-lt"/>
-                <a:ea typeface="+mj-ea"/>
-              </a:rPr>
-              <a:t>	</a:t>
-            </a:r>
-            <a:r>
-              <a:rPr lang="zh-CN" altLang="en-US" sz="2400" dirty="0" smtClean="0">
-                <a:solidFill>
-                  <a:srgbClr val="FF0000"/>
-                </a:solidFill>
-                <a:latin typeface="+mj-lt"/>
-                <a:ea typeface="+mj-ea"/>
-              </a:rPr>
-              <a:t>https</a:t>
-            </a:r>
-            <a:r>
-              <a:rPr lang="zh-CN" altLang="en-US" sz="2400" dirty="0">
-                <a:solidFill>
-                  <a:srgbClr val="FF0000"/>
-                </a:solidFill>
-                <a:latin typeface="+mj-lt"/>
-                <a:ea typeface="+mj-ea"/>
-              </a:rPr>
-              <a:t>://github.com/YufengYU/C_Programming_Course</a:t>
-            </a:r>
           </a:p>
         </p:txBody>
       </p:sp>
@@ -5384,7 +5364,7 @@
           <a:p>
             <a:fld id="{8DF3855A-2638-4DE7-A565-B8BA087374DB}" type="datetime1">
               <a:rPr lang="zh-CN" altLang="en-US" smtClean="0"/>
-              <a:t>2017/1/16</a:t>
+              <a:t>2017/1/25</a:t>
             </a:fld>
             <a:endParaRPr lang="zh-CN" altLang="zh-CN"/>
           </a:p>
@@ -5961,19 +5941,7 @@
             </a:r>
             <a:r>
               <a:rPr lang="zh-CN" altLang="en-US" dirty="0" smtClean="0"/>
-              <a:t>瓶汽水</a:t>
-            </a:r>
-            <a:r>
-              <a:rPr lang="zh-CN" altLang="en-US" dirty="0" smtClean="0"/>
-              <a:t>，</a:t>
-            </a:r>
-            <a:r>
-              <a:rPr lang="zh-CN" altLang="en-US" dirty="0" smtClean="0"/>
-              <a:t>都能去</a:t>
-            </a:r>
-            <a:r>
-              <a:rPr lang="zh-CN" altLang="en-US" dirty="0" smtClean="0"/>
-              <a:t>换</a:t>
+              <a:t>瓶汽水，都能去换</a:t>
             </a:r>
             <a:r>
               <a:rPr lang="zh-CN" altLang="en-US" dirty="0"/>
@@ -6025,7 +5993,7 @@
           <a:p>
             <a:fld id="{B13507F3-2E52-4A0E-B513-AE67BAF97B42}" type="datetime1">
               <a:rPr lang="zh-CN" altLang="en-US" smtClean="0"/>
-              <a:t>2017/1/16</a:t>
+              <a:t>2017/1/25</a:t>
             </a:fld>
             <a:endParaRPr lang="zh-CN" altLang="zh-CN"/>
           </a:p>
@@ -6743,11 +6711,7 @@
           <a:p>
             <a:r>
               <a:rPr lang="en-US" altLang="zh-CN" dirty="0" smtClean="0"/>
-              <a:t>1,1,2,3,5,8,13,21,34</a:t>
-            </a:r>
-            <a:r>
-              <a:rPr lang="en-US" altLang="zh-CN" dirty="0" smtClean="0"/>
-              <a:t>,…</a:t>
+              <a:t>1,1,2,3,5,8,13,21,34,…</a:t>
             </a:r>
           </a:p>
           <a:p>
@@ -6788,7 +6752,7 @@
           <a:p>
             <a:fld id="{B13507F3-2E52-4A0E-B513-AE67BAF97B42}" type="datetime1">
               <a:rPr lang="zh-CN" altLang="en-US" smtClean="0"/>
-              <a:t>2017/1/16</a:t>
+              <a:t>2017/1/25</a:t>
             </a:fld>
             <a:endParaRPr lang="zh-CN" altLang="zh-CN"/>
           </a:p>
@@ -10335,11 +10299,7 @@
           <a:p>
             <a:r>
               <a:rPr lang="zh-CN" altLang="en-US" dirty="0" smtClean="0"/>
-              <a:t>如果当前长度大于目前最长的长度，那么更新最长</a:t>
-            </a:r>
-            <a:r>
-              <a:rPr lang="zh-CN" altLang="en-US" dirty="0" smtClean="0"/>
-              <a:t>值</a:t>
+              <a:t>如果当前长度大于目前最长的长度，那么更新最长值</a:t>
             </a:r>
             <a:endParaRPr lang="en-US" altLang="zh-CN" dirty="0"/>
           </a:p>
@@ -10369,7 +10329,7 @@
           <a:p>
             <a:fld id="{B13507F3-2E52-4A0E-B513-AE67BAF97B42}" type="datetime1">
               <a:rPr lang="zh-CN" altLang="en-US" smtClean="0"/>
-              <a:t>2017/1/16</a:t>
+              <a:t>2017/1/25</a:t>
             </a:fld>
             <a:endParaRPr lang="zh-CN" altLang="zh-CN"/>
           </a:p>
@@ -10804,7 +10764,7 @@
           <a:p>
             <a:fld id="{B13507F3-2E52-4A0E-B513-AE67BAF97B42}" type="datetime1">
               <a:rPr lang="zh-CN" altLang="en-US" smtClean="0"/>
-              <a:t>2017/1/16</a:t>
+              <a:t>2017/1/25</a:t>
             </a:fld>
             <a:endParaRPr lang="zh-CN" altLang="zh-CN"/>
           </a:p>
@@ -11237,7 +11197,7 @@
           <a:p>
             <a:fld id="{B13507F3-2E52-4A0E-B513-AE67BAF97B42}" type="datetime1">
               <a:rPr lang="zh-CN" altLang="en-US" smtClean="0"/>
-              <a:t>2017/1/16</a:t>
+              <a:t>2017/1/25</a:t>
             </a:fld>
             <a:endParaRPr lang="zh-CN" altLang="zh-CN"/>
           </a:p>
@@ -11982,7 +11942,7 @@
           <a:p>
             <a:fld id="{B13507F3-2E52-4A0E-B513-AE67BAF97B42}" type="datetime1">
               <a:rPr lang="zh-CN" altLang="en-US" smtClean="0"/>
-              <a:t>2017/1/16</a:t>
+              <a:t>2017/1/25</a:t>
             </a:fld>
             <a:endParaRPr lang="zh-CN" altLang="zh-CN"/>
           </a:p>
